--- a/US Census Data - Case Study.pptx
+++ b/US Census Data - Case Study.pptx
@@ -234,7 +234,7 @@
           <a:p>
             <a:fld id="{B43E66A4-3421-43CD-BBEE-6812716AA68E}" type="datetimeFigureOut">
               <a:rPr lang="en-US" smtClean="0"/>
-              <a:t>3/9/2020</a:t>
+              <a:t>4/5/2020</a:t>
             </a:fld>
             <a:endParaRPr lang="en-US"/>
           </a:p>
@@ -399,7 +399,7 @@
           <a:p>
             <a:fld id="{AEE88C1C-558B-48C7-8437-5AAB78DD2E6C}" type="datetimeFigureOut">
               <a:rPr lang="en-US" smtClean="0"/>
-              <a:t>3/9/2020</a:t>
+              <a:t>4/5/2020</a:t>
             </a:fld>
             <a:endParaRPr lang="en-US"/>
           </a:p>
@@ -3696,7 +3696,19 @@
               <a:rPr lang="en-US" sz="2000" dirty="0">
                 <a:latin typeface="+mn-lt"/>
               </a:rPr>
-              <a:t>Who would be the successful investors?</a:t>
+              <a:t>Who would </a:t>
+            </a:r>
+            <a:r>
+              <a:rPr lang="en-US" sz="2000">
+                <a:latin typeface="+mn-lt"/>
+              </a:rPr>
+              <a:t>be successful </a:t>
+            </a:r>
+            <a:r>
+              <a:rPr lang="en-US" sz="2000" dirty="0">
+                <a:latin typeface="+mn-lt"/>
+              </a:rPr>
+              <a:t>investors?</a:t>
             </a:r>
             <a:endParaRPr lang="en-US" sz="2000" dirty="0">
               <a:latin typeface="+mn-lt"/>
